--- a/不要憂慮.pptx
+++ b/不要憂慮.pptx
@@ -5,16 +5,16 @@
     <p:sldMasterId id="2147483660" r:id="rId1"/>
   </p:sldMasterIdLst>
   <p:sldIdLst>
-    <p:sldId id="257" r:id="rId2"/>
-    <p:sldId id="258" r:id="rId3"/>
-    <p:sldId id="259" r:id="rId4"/>
-    <p:sldId id="260" r:id="rId5"/>
-    <p:sldId id="261" r:id="rId6"/>
-    <p:sldId id="262" r:id="rId7"/>
-    <p:sldId id="263" r:id="rId8"/>
-    <p:sldId id="264" r:id="rId9"/>
-    <p:sldId id="265" r:id="rId10"/>
-    <p:sldId id="266" r:id="rId11"/>
+    <p:sldId id="256" r:id="rId2"/>
+    <p:sldId id="257" r:id="rId3"/>
+    <p:sldId id="258" r:id="rId4"/>
+    <p:sldId id="259" r:id="rId5"/>
+    <p:sldId id="260" r:id="rId6"/>
+    <p:sldId id="261" r:id="rId7"/>
+    <p:sldId id="262" r:id="rId8"/>
+    <p:sldId id="263" r:id="rId9"/>
+    <p:sldId id="264" r:id="rId10"/>
+    <p:sldId id="265" r:id="rId11"/>
   </p:sldIdLst>
   <p:sldSz cx="12192000" cy="6858000"/>
   <p:notesSz cx="6858000" cy="9144000"/>
@@ -113,6 +113,11 @@
       </a:defRPr>
     </a:lvl9pPr>
   </p:defaultTextStyle>
+  <p:extLst>
+    <p:ext uri="{EFAFB233-063F-42B5-8137-9DF3F51BA10A}">
+      <p15:sldGuideLst xmlns:p15="http://schemas.microsoft.com/office/powerpoint/2012/main"/>
+    </p:ext>
+  </p:extLst>
 </p:presentation>
 </file>
 
@@ -297,7 +302,7 @@
           <a:p>
             <a:fld id="{43108860-39B3-49DE-8D80-CC6C7E4BB3B8}" type="datetimeFigureOut">
               <a:rPr lang="vi-VN" smtClean="0"/>
-              <a:t>09/02/2021</a:t>
+              <a:t>29/01/2022</a:t>
             </a:fld>
             <a:endParaRPr lang="vi-VN"/>
           </a:p>
@@ -467,7 +472,7 @@
           <a:p>
             <a:fld id="{43108860-39B3-49DE-8D80-CC6C7E4BB3B8}" type="datetimeFigureOut">
               <a:rPr lang="vi-VN" smtClean="0"/>
-              <a:t>09/02/2021</a:t>
+              <a:t>29/01/2022</a:t>
             </a:fld>
             <a:endParaRPr lang="vi-VN"/>
           </a:p>
@@ -647,7 +652,7 @@
           <a:p>
             <a:fld id="{43108860-39B3-49DE-8D80-CC6C7E4BB3B8}" type="datetimeFigureOut">
               <a:rPr lang="vi-VN" smtClean="0"/>
-              <a:t>09/02/2021</a:t>
+              <a:t>29/01/2022</a:t>
             </a:fld>
             <a:endParaRPr lang="vi-VN"/>
           </a:p>
@@ -817,7 +822,7 @@
           <a:p>
             <a:fld id="{43108860-39B3-49DE-8D80-CC6C7E4BB3B8}" type="datetimeFigureOut">
               <a:rPr lang="vi-VN" smtClean="0"/>
-              <a:t>09/02/2021</a:t>
+              <a:t>29/01/2022</a:t>
             </a:fld>
             <a:endParaRPr lang="vi-VN"/>
           </a:p>
@@ -1063,7 +1068,7 @@
           <a:p>
             <a:fld id="{43108860-39B3-49DE-8D80-CC6C7E4BB3B8}" type="datetimeFigureOut">
               <a:rPr lang="vi-VN" smtClean="0"/>
-              <a:t>09/02/2021</a:t>
+              <a:t>29/01/2022</a:t>
             </a:fld>
             <a:endParaRPr lang="vi-VN"/>
           </a:p>
@@ -1351,7 +1356,7 @@
           <a:p>
             <a:fld id="{43108860-39B3-49DE-8D80-CC6C7E4BB3B8}" type="datetimeFigureOut">
               <a:rPr lang="vi-VN" smtClean="0"/>
-              <a:t>09/02/2021</a:t>
+              <a:t>29/01/2022</a:t>
             </a:fld>
             <a:endParaRPr lang="vi-VN"/>
           </a:p>
@@ -1773,7 +1778,7 @@
           <a:p>
             <a:fld id="{43108860-39B3-49DE-8D80-CC6C7E4BB3B8}" type="datetimeFigureOut">
               <a:rPr lang="vi-VN" smtClean="0"/>
-              <a:t>09/02/2021</a:t>
+              <a:t>29/01/2022</a:t>
             </a:fld>
             <a:endParaRPr lang="vi-VN"/>
           </a:p>
@@ -1891,7 +1896,7 @@
           <a:p>
             <a:fld id="{43108860-39B3-49DE-8D80-CC6C7E4BB3B8}" type="datetimeFigureOut">
               <a:rPr lang="vi-VN" smtClean="0"/>
-              <a:t>09/02/2021</a:t>
+              <a:t>29/01/2022</a:t>
             </a:fld>
             <a:endParaRPr lang="vi-VN"/>
           </a:p>
@@ -1986,7 +1991,7 @@
           <a:p>
             <a:fld id="{43108860-39B3-49DE-8D80-CC6C7E4BB3B8}" type="datetimeFigureOut">
               <a:rPr lang="vi-VN" smtClean="0"/>
-              <a:t>09/02/2021</a:t>
+              <a:t>29/01/2022</a:t>
             </a:fld>
             <a:endParaRPr lang="vi-VN"/>
           </a:p>
@@ -2263,7 +2268,7 @@
           <a:p>
             <a:fld id="{43108860-39B3-49DE-8D80-CC6C7E4BB3B8}" type="datetimeFigureOut">
               <a:rPr lang="vi-VN" smtClean="0"/>
-              <a:t>09/02/2021</a:t>
+              <a:t>29/01/2022</a:t>
             </a:fld>
             <a:endParaRPr lang="vi-VN"/>
           </a:p>
@@ -2520,7 +2525,7 @@
           <a:p>
             <a:fld id="{43108860-39B3-49DE-8D80-CC6C7E4BB3B8}" type="datetimeFigureOut">
               <a:rPr lang="vi-VN" smtClean="0"/>
-              <a:t>09/02/2021</a:t>
+              <a:t>29/01/2022</a:t>
             </a:fld>
             <a:endParaRPr lang="vi-VN"/>
           </a:p>
@@ -2738,7 +2743,7 @@
           <a:p>
             <a:fld id="{43108860-39B3-49DE-8D80-CC6C7E4BB3B8}" type="datetimeFigureOut">
               <a:rPr lang="vi-VN" smtClean="0"/>
-              <a:t>09/02/2021</a:t>
+              <a:t>29/01/2022</a:t>
             </a:fld>
             <a:endParaRPr lang="vi-VN"/>
           </a:p>
@@ -3172,7 +3177,7 @@
     </p:spTree>
     <p:extLst>
       <p:ext uri="{BB962C8B-B14F-4D97-AF65-F5344CB8AC3E}">
-        <p14:creationId xmlns:p14="http://schemas.microsoft.com/office/powerpoint/2010/main" val="837096889"/>
+        <p14:creationId xmlns:p14="http://schemas.microsoft.com/office/powerpoint/2010/main" val="3407831255"/>
       </p:ext>
     </p:extLst>
   </p:cSld>
@@ -3232,27 +3237,7 @@
                 <a:latin typeface="微軟正黑體" pitchFamily="34" charset="-120"/>
                 <a:ea typeface="微軟正黑體" pitchFamily="34" charset="-120"/>
               </a:rPr>
-              <a:t>哦  這</a:t>
-            </a:r>
-            <a:r>
-              <a:rPr lang="zh-TW" altLang="en-US" sz="6400" b="1" dirty="0">
-                <a:solidFill>
-                  <a:srgbClr val="000066"/>
-                </a:solidFill>
-                <a:latin typeface="微軟正黑體" pitchFamily="34" charset="-120"/>
-                <a:ea typeface="微軟正黑體" pitchFamily="34" charset="-120"/>
-              </a:rPr>
-              <a:t>些東</a:t>
-            </a:r>
-            <a:r>
-              <a:rPr lang="zh-TW" altLang="en-US" sz="6400" b="1" dirty="0">
-                <a:solidFill>
-                  <a:srgbClr val="000066"/>
-                </a:solidFill>
-                <a:latin typeface="微軟正黑體" pitchFamily="34" charset="-120"/>
-                <a:ea typeface="微軟正黑體" pitchFamily="34" charset="-120"/>
-              </a:rPr>
-              <a:t>西</a:t>
+              <a:t>哦  這些東西</a:t>
             </a:r>
             <a:endParaRPr lang="en-US" altLang="zh-TW" sz="6400" b="1" dirty="0">
               <a:solidFill>
@@ -3286,10 +3271,88 @@
           </a:p>
         </p:txBody>
       </p:sp>
+      <p:sp>
+        <p:nvSpPr>
+          <p:cNvPr id="3" name="TextBox 2"/>
+          <p:cNvSpPr txBox="1"/>
+          <p:nvPr/>
+        </p:nvSpPr>
+        <p:spPr>
+          <a:xfrm>
+            <a:off x="0" y="5253203"/>
+            <a:ext cx="12192000" cy="748988"/>
+          </a:xfrm>
+          <a:prstGeom prst="rect">
+            <a:avLst/>
+          </a:prstGeom>
+          <a:noFill/>
+        </p:spPr>
+        <p:txBody>
+          <a:bodyPr wrap="square" rtlCol="0">
+            <a:spAutoFit/>
+          </a:bodyPr>
+          <a:lstStyle/>
+          <a:p>
+            <a:pPr algn="ctr"/>
+            <a:r>
+              <a:rPr lang="en-US" sz="4267" b="1" dirty="0">
+                <a:solidFill>
+                  <a:srgbClr val="000066"/>
+                </a:solidFill>
+                <a:effectLst/>
+                <a:latin typeface="Microsoft JhengHei" panose="020B0604030504040204" pitchFamily="34" charset="-120"/>
+                <a:ea typeface="Microsoft JhengHei" panose="020B0604030504040204" pitchFamily="34" charset="-120"/>
+              </a:rPr>
+              <a:t>( </a:t>
+            </a:r>
+            <a:r>
+              <a:rPr lang="zh-CN" altLang="en-US" sz="4267" b="1" dirty="0" smtClean="0">
+                <a:solidFill>
+                  <a:srgbClr val="000066"/>
+                </a:solidFill>
+                <a:effectLst/>
+                <a:latin typeface="Microsoft JhengHei" panose="020B0604030504040204" pitchFamily="34" charset="-120"/>
+                <a:ea typeface="Microsoft JhengHei" panose="020B0604030504040204" pitchFamily="34" charset="-120"/>
+              </a:rPr>
+              <a:t>副</a:t>
+            </a:r>
+            <a:r>
+              <a:rPr lang="en-US" sz="4267" b="1" dirty="0" smtClean="0">
+                <a:solidFill>
+                  <a:srgbClr val="000066"/>
+                </a:solidFill>
+                <a:effectLst/>
+                <a:latin typeface="Microsoft JhengHei" panose="020B0604030504040204" pitchFamily="34" charset="-120"/>
+                <a:ea typeface="Microsoft JhengHei" panose="020B0604030504040204" pitchFamily="34" charset="-120"/>
+              </a:rPr>
+              <a:t> </a:t>
+            </a:r>
+            <a:r>
+              <a:rPr lang="en-US" sz="4267" b="1" dirty="0">
+                <a:solidFill>
+                  <a:srgbClr val="000066"/>
+                </a:solidFill>
+                <a:effectLst/>
+                <a:latin typeface="Microsoft JhengHei" panose="020B0604030504040204" pitchFamily="34" charset="-120"/>
+                <a:ea typeface="Microsoft JhengHei" panose="020B0604030504040204" pitchFamily="34" charset="-120"/>
+              </a:rPr>
+              <a:t>)</a:t>
+            </a:r>
+            <a:endParaRPr lang="vi-VN" sz="4267" b="1" dirty="0">
+              <a:solidFill>
+                <a:srgbClr val="000066"/>
+              </a:solidFill>
+              <a:effectLst/>
+              <a:latin typeface="Microsoft JhengHei" panose="020B0604030504040204" pitchFamily="34" charset="-120"/>
+              <a:ea typeface="Microsoft JhengHei" panose="020B0604030504040204" pitchFamily="34" charset="-120"/>
+            </a:endParaRPr>
+          </a:p>
+        </p:txBody>
+      </p:sp>
     </p:spTree>
     <p:extLst>
       <p:ext uri="{BB962C8B-B14F-4D97-AF65-F5344CB8AC3E}">
-        <p14:creationId xmlns:p14="http://schemas.microsoft.com/office/powerpoint/2010/main" val="1669820139"/>
+        <p14:creationId xmlns:p14="http://schemas.microsoft.com/office/powerpoint/2010/main" val="4034017183"/>
       </p:ext>
     </p:extLst>
   </p:cSld>
@@ -3349,27 +3412,7 @@
                 <a:latin typeface="微軟正黑體" pitchFamily="34" charset="-120"/>
                 <a:ea typeface="微軟正黑體" pitchFamily="34" charset="-120"/>
               </a:rPr>
-              <a:t>當</a:t>
-            </a:r>
-            <a:r>
-              <a:rPr lang="zh-TW" altLang="en-US" sz="6400" b="1" dirty="0">
-                <a:solidFill>
-                  <a:srgbClr val="000066"/>
-                </a:solidFill>
-                <a:latin typeface="微軟正黑體" pitchFamily="34" charset="-120"/>
-                <a:ea typeface="微軟正黑體" pitchFamily="34" charset="-120"/>
-              </a:rPr>
-              <a:t>我們抬頭看那天空中的飛</a:t>
-            </a:r>
-            <a:r>
-              <a:rPr lang="zh-TW" altLang="en-US" sz="6400" b="1" dirty="0">
-                <a:solidFill>
-                  <a:srgbClr val="000066"/>
-                </a:solidFill>
-                <a:latin typeface="微軟正黑體" pitchFamily="34" charset="-120"/>
-                <a:ea typeface="微軟正黑體" pitchFamily="34" charset="-120"/>
-              </a:rPr>
-              <a:t>鳥</a:t>
+              <a:t>當我們抬頭看那天空中的飛鳥</a:t>
             </a:r>
             <a:endParaRPr lang="en-US" altLang="zh-TW" sz="6400" b="1" dirty="0">
               <a:solidFill>
@@ -3391,17 +3434,7 @@
                 <a:latin typeface="微軟正黑體" pitchFamily="34" charset="-120"/>
                 <a:ea typeface="微軟正黑體" pitchFamily="34" charset="-120"/>
               </a:rPr>
-              <a:t>讓</a:t>
-            </a:r>
-            <a:r>
-              <a:rPr lang="zh-TW" altLang="en-US" sz="6400" b="1" dirty="0">
-                <a:solidFill>
-                  <a:srgbClr val="000066"/>
-                </a:solidFill>
-                <a:latin typeface="微軟正黑體" pitchFamily="34" charset="-120"/>
-                <a:ea typeface="微軟正黑體" pitchFamily="34" charset="-120"/>
-              </a:rPr>
-              <a:t>我們再看看野地上的花草</a:t>
+              <a:t>讓我們再看看野地上的花草</a:t>
             </a:r>
             <a:endParaRPr lang="en-US" altLang="zh-TW" sz="6400" b="1" dirty="0">
               <a:solidFill>
@@ -3413,10 +3446,88 @@
           </a:p>
         </p:txBody>
       </p:sp>
+      <p:sp>
+        <p:nvSpPr>
+          <p:cNvPr id="3" name="TextBox 2"/>
+          <p:cNvSpPr txBox="1"/>
+          <p:nvPr/>
+        </p:nvSpPr>
+        <p:spPr>
+          <a:xfrm>
+            <a:off x="0" y="5253203"/>
+            <a:ext cx="12192000" cy="748988"/>
+          </a:xfrm>
+          <a:prstGeom prst="rect">
+            <a:avLst/>
+          </a:prstGeom>
+          <a:noFill/>
+        </p:spPr>
+        <p:txBody>
+          <a:bodyPr wrap="square" rtlCol="0">
+            <a:spAutoFit/>
+          </a:bodyPr>
+          <a:lstStyle/>
+          <a:p>
+            <a:pPr algn="ctr"/>
+            <a:r>
+              <a:rPr lang="en-US" sz="4267" b="1" dirty="0">
+                <a:solidFill>
+                  <a:srgbClr val="000066"/>
+                </a:solidFill>
+                <a:effectLst/>
+                <a:latin typeface="Microsoft JhengHei" panose="020B0604030504040204" pitchFamily="34" charset="-120"/>
+                <a:ea typeface="Microsoft JhengHei" panose="020B0604030504040204" pitchFamily="34" charset="-120"/>
+              </a:rPr>
+              <a:t>( </a:t>
+            </a:r>
+            <a:r>
+              <a:rPr lang="zh-CN" altLang="en-US" sz="4267" b="1" dirty="0" smtClean="0">
+                <a:solidFill>
+                  <a:srgbClr val="000066"/>
+                </a:solidFill>
+                <a:effectLst/>
+                <a:latin typeface="Microsoft JhengHei" panose="020B0604030504040204" pitchFamily="34" charset="-120"/>
+                <a:ea typeface="Microsoft JhengHei" panose="020B0604030504040204" pitchFamily="34" charset="-120"/>
+              </a:rPr>
+              <a:t>正</a:t>
+            </a:r>
+            <a:r>
+              <a:rPr lang="en-US" sz="4267" b="1" dirty="0" smtClean="0">
+                <a:solidFill>
+                  <a:srgbClr val="000066"/>
+                </a:solidFill>
+                <a:effectLst/>
+                <a:latin typeface="Microsoft JhengHei" panose="020B0604030504040204" pitchFamily="34" charset="-120"/>
+                <a:ea typeface="Microsoft JhengHei" panose="020B0604030504040204" pitchFamily="34" charset="-120"/>
+              </a:rPr>
+              <a:t> </a:t>
+            </a:r>
+            <a:r>
+              <a:rPr lang="en-US" sz="4267" b="1" dirty="0">
+                <a:solidFill>
+                  <a:srgbClr val="000066"/>
+                </a:solidFill>
+                <a:effectLst/>
+                <a:latin typeface="Microsoft JhengHei" panose="020B0604030504040204" pitchFamily="34" charset="-120"/>
+                <a:ea typeface="Microsoft JhengHei" panose="020B0604030504040204" pitchFamily="34" charset="-120"/>
+              </a:rPr>
+              <a:t>)</a:t>
+            </a:r>
+            <a:endParaRPr lang="vi-VN" sz="4267" b="1" dirty="0">
+              <a:solidFill>
+                <a:srgbClr val="000066"/>
+              </a:solidFill>
+              <a:effectLst/>
+              <a:latin typeface="Microsoft JhengHei" panose="020B0604030504040204" pitchFamily="34" charset="-120"/>
+              <a:ea typeface="Microsoft JhengHei" panose="020B0604030504040204" pitchFamily="34" charset="-120"/>
+            </a:endParaRPr>
+          </a:p>
+        </p:txBody>
+      </p:sp>
     </p:spTree>
     <p:extLst>
       <p:ext uri="{BB962C8B-B14F-4D97-AF65-F5344CB8AC3E}">
-        <p14:creationId xmlns:p14="http://schemas.microsoft.com/office/powerpoint/2010/main" val="2125613601"/>
+        <p14:creationId xmlns:p14="http://schemas.microsoft.com/office/powerpoint/2010/main" val="1313460430"/>
       </p:ext>
     </p:extLst>
   </p:cSld>
@@ -3476,37 +3587,7 @@
                 <a:latin typeface="微軟正黑體" pitchFamily="34" charset="-120"/>
                 <a:ea typeface="微軟正黑體" pitchFamily="34" charset="-120"/>
               </a:rPr>
-              <a:t>它們無憂無</a:t>
-            </a:r>
-            <a:r>
-              <a:rPr lang="zh-TW" altLang="en-US" sz="6400" b="1" dirty="0">
-                <a:solidFill>
-                  <a:srgbClr val="000066"/>
-                </a:solidFill>
-                <a:latin typeface="微軟正黑體" pitchFamily="34" charset="-120"/>
-                <a:ea typeface="微軟正黑體" pitchFamily="34" charset="-120"/>
-              </a:rPr>
-              <a:t>慮  它</a:t>
-            </a:r>
-            <a:r>
-              <a:rPr lang="zh-TW" altLang="en-US" sz="6400" b="1" dirty="0">
-                <a:solidFill>
-                  <a:srgbClr val="000066"/>
-                </a:solidFill>
-                <a:latin typeface="微軟正黑體" pitchFamily="34" charset="-120"/>
-                <a:ea typeface="微軟正黑體" pitchFamily="34" charset="-120"/>
-              </a:rPr>
-              <a:t>們很自在</a:t>
-            </a:r>
-            <a:r>
-              <a:rPr lang="zh-TW" altLang="en-US" sz="6400" b="1" dirty="0">
-                <a:solidFill>
-                  <a:srgbClr val="000066"/>
-                </a:solidFill>
-                <a:latin typeface="微軟正黑體" pitchFamily="34" charset="-120"/>
-                <a:ea typeface="微軟正黑體" pitchFamily="34" charset="-120"/>
-              </a:rPr>
-              <a:t>地</a:t>
+              <a:t>它們無憂無慮  它們很自在地</a:t>
             </a:r>
             <a:endParaRPr lang="en-US" altLang="zh-TW" sz="6400" b="1" dirty="0">
               <a:solidFill>
@@ -3528,17 +3609,7 @@
                 <a:latin typeface="微軟正黑體" pitchFamily="34" charset="-120"/>
                 <a:ea typeface="微軟正黑體" pitchFamily="34" charset="-120"/>
               </a:rPr>
-              <a:t>因</a:t>
-            </a:r>
-            <a:r>
-              <a:rPr lang="zh-TW" altLang="en-US" sz="6400" b="1" dirty="0">
-                <a:solidFill>
-                  <a:srgbClr val="000066"/>
-                </a:solidFill>
-                <a:latin typeface="微軟正黑體" pitchFamily="34" charset="-120"/>
-                <a:ea typeface="微軟正黑體" pitchFamily="34" charset="-120"/>
-              </a:rPr>
-              <a:t>為它們有著天父上帝的供應</a:t>
+              <a:t>因為它們有著天父上帝的供應</a:t>
             </a:r>
             <a:endParaRPr lang="en-US" altLang="zh-TW" sz="6400" b="1" dirty="0">
               <a:solidFill>
@@ -3550,10 +3621,88 @@
           </a:p>
         </p:txBody>
       </p:sp>
+      <p:sp>
+        <p:nvSpPr>
+          <p:cNvPr id="3" name="TextBox 2"/>
+          <p:cNvSpPr txBox="1"/>
+          <p:nvPr/>
+        </p:nvSpPr>
+        <p:spPr>
+          <a:xfrm>
+            <a:off x="0" y="5253203"/>
+            <a:ext cx="12192000" cy="748988"/>
+          </a:xfrm>
+          <a:prstGeom prst="rect">
+            <a:avLst/>
+          </a:prstGeom>
+          <a:noFill/>
+        </p:spPr>
+        <p:txBody>
+          <a:bodyPr wrap="square" rtlCol="0">
+            <a:spAutoFit/>
+          </a:bodyPr>
+          <a:lstStyle/>
+          <a:p>
+            <a:pPr algn="ctr"/>
+            <a:r>
+              <a:rPr lang="en-US" sz="4267" b="1" dirty="0">
+                <a:solidFill>
+                  <a:srgbClr val="000066"/>
+                </a:solidFill>
+                <a:effectLst/>
+                <a:latin typeface="Microsoft JhengHei" panose="020B0604030504040204" pitchFamily="34" charset="-120"/>
+                <a:ea typeface="Microsoft JhengHei" panose="020B0604030504040204" pitchFamily="34" charset="-120"/>
+              </a:rPr>
+              <a:t>( </a:t>
+            </a:r>
+            <a:r>
+              <a:rPr lang="zh-CN" altLang="en-US" sz="4267" b="1" dirty="0" smtClean="0">
+                <a:solidFill>
+                  <a:srgbClr val="000066"/>
+                </a:solidFill>
+                <a:effectLst/>
+                <a:latin typeface="Microsoft JhengHei" panose="020B0604030504040204" pitchFamily="34" charset="-120"/>
+                <a:ea typeface="Microsoft JhengHei" panose="020B0604030504040204" pitchFamily="34" charset="-120"/>
+              </a:rPr>
+              <a:t>正</a:t>
+            </a:r>
+            <a:r>
+              <a:rPr lang="en-US" sz="4267" b="1" dirty="0" smtClean="0">
+                <a:solidFill>
+                  <a:srgbClr val="000066"/>
+                </a:solidFill>
+                <a:effectLst/>
+                <a:latin typeface="Microsoft JhengHei" panose="020B0604030504040204" pitchFamily="34" charset="-120"/>
+                <a:ea typeface="Microsoft JhengHei" panose="020B0604030504040204" pitchFamily="34" charset="-120"/>
+              </a:rPr>
+              <a:t> </a:t>
+            </a:r>
+            <a:r>
+              <a:rPr lang="en-US" sz="4267" b="1" dirty="0">
+                <a:solidFill>
+                  <a:srgbClr val="000066"/>
+                </a:solidFill>
+                <a:effectLst/>
+                <a:latin typeface="Microsoft JhengHei" panose="020B0604030504040204" pitchFamily="34" charset="-120"/>
+                <a:ea typeface="Microsoft JhengHei" panose="020B0604030504040204" pitchFamily="34" charset="-120"/>
+              </a:rPr>
+              <a:t>)</a:t>
+            </a:r>
+            <a:endParaRPr lang="vi-VN" sz="4267" b="1" dirty="0">
+              <a:solidFill>
+                <a:srgbClr val="000066"/>
+              </a:solidFill>
+              <a:effectLst/>
+              <a:latin typeface="Microsoft JhengHei" panose="020B0604030504040204" pitchFamily="34" charset="-120"/>
+              <a:ea typeface="Microsoft JhengHei" panose="020B0604030504040204" pitchFamily="34" charset="-120"/>
+            </a:endParaRPr>
+          </a:p>
+        </p:txBody>
+      </p:sp>
     </p:spTree>
     <p:extLst>
       <p:ext uri="{BB962C8B-B14F-4D97-AF65-F5344CB8AC3E}">
-        <p14:creationId xmlns:p14="http://schemas.microsoft.com/office/powerpoint/2010/main" val="3401770870"/>
+        <p14:creationId xmlns:p14="http://schemas.microsoft.com/office/powerpoint/2010/main" val="1813567559"/>
       </p:ext>
     </p:extLst>
   </p:cSld>
@@ -3613,17 +3762,7 @@
                 <a:latin typeface="微軟正黑體" pitchFamily="34" charset="-120"/>
                 <a:ea typeface="微軟正黑體" pitchFamily="34" charset="-120"/>
               </a:rPr>
-              <a:t>所以我們也不要為明天而擔</a:t>
-            </a:r>
-            <a:r>
-              <a:rPr lang="zh-TW" altLang="en-US" sz="6400" b="1" dirty="0">
-                <a:solidFill>
-                  <a:srgbClr val="000066"/>
-                </a:solidFill>
-                <a:latin typeface="微軟正黑體" pitchFamily="34" charset="-120"/>
-                <a:ea typeface="微軟正黑體" pitchFamily="34" charset="-120"/>
-              </a:rPr>
-              <a:t>憂</a:t>
+              <a:t>所以我們也不要為明天而擔憂</a:t>
             </a:r>
             <a:endParaRPr lang="en-US" altLang="zh-TW" sz="6400" b="1" dirty="0">
               <a:solidFill>
@@ -3645,17 +3784,7 @@
                 <a:latin typeface="微軟正黑體" pitchFamily="34" charset="-120"/>
                 <a:ea typeface="微軟正黑體" pitchFamily="34" charset="-120"/>
               </a:rPr>
-              <a:t>一</a:t>
-            </a:r>
-            <a:r>
-              <a:rPr lang="zh-TW" altLang="en-US" sz="6400" b="1" dirty="0">
-                <a:solidFill>
-                  <a:srgbClr val="000066"/>
-                </a:solidFill>
-                <a:latin typeface="微軟正黑體" pitchFamily="34" charset="-120"/>
-                <a:ea typeface="微軟正黑體" pitchFamily="34" charset="-120"/>
-              </a:rPr>
-              <a:t>天的難處就讓一天擔就夠</a:t>
+              <a:t>一天的難處就讓一天擔就夠</a:t>
             </a:r>
             <a:endParaRPr lang="en-US" altLang="zh-TW" sz="6400" b="1" dirty="0">
               <a:solidFill>
@@ -3667,10 +3796,88 @@
           </a:p>
         </p:txBody>
       </p:sp>
+      <p:sp>
+        <p:nvSpPr>
+          <p:cNvPr id="3" name="TextBox 2"/>
+          <p:cNvSpPr txBox="1"/>
+          <p:nvPr/>
+        </p:nvSpPr>
+        <p:spPr>
+          <a:xfrm>
+            <a:off x="0" y="5253203"/>
+            <a:ext cx="12192000" cy="748988"/>
+          </a:xfrm>
+          <a:prstGeom prst="rect">
+            <a:avLst/>
+          </a:prstGeom>
+          <a:noFill/>
+        </p:spPr>
+        <p:txBody>
+          <a:bodyPr wrap="square" rtlCol="0">
+            <a:spAutoFit/>
+          </a:bodyPr>
+          <a:lstStyle/>
+          <a:p>
+            <a:pPr algn="ctr"/>
+            <a:r>
+              <a:rPr lang="en-US" sz="4267" b="1" dirty="0">
+                <a:solidFill>
+                  <a:srgbClr val="000066"/>
+                </a:solidFill>
+                <a:effectLst/>
+                <a:latin typeface="Microsoft JhengHei" panose="020B0604030504040204" pitchFamily="34" charset="-120"/>
+                <a:ea typeface="Microsoft JhengHei" panose="020B0604030504040204" pitchFamily="34" charset="-120"/>
+              </a:rPr>
+              <a:t>( </a:t>
+            </a:r>
+            <a:r>
+              <a:rPr lang="zh-CN" altLang="en-US" sz="4267" b="1" dirty="0" smtClean="0">
+                <a:solidFill>
+                  <a:srgbClr val="000066"/>
+                </a:solidFill>
+                <a:effectLst/>
+                <a:latin typeface="Microsoft JhengHei" panose="020B0604030504040204" pitchFamily="34" charset="-120"/>
+                <a:ea typeface="Microsoft JhengHei" panose="020B0604030504040204" pitchFamily="34" charset="-120"/>
+              </a:rPr>
+              <a:t>正</a:t>
+            </a:r>
+            <a:r>
+              <a:rPr lang="en-US" sz="4267" b="1" dirty="0" smtClean="0">
+                <a:solidFill>
+                  <a:srgbClr val="000066"/>
+                </a:solidFill>
+                <a:effectLst/>
+                <a:latin typeface="Microsoft JhengHei" panose="020B0604030504040204" pitchFamily="34" charset="-120"/>
+                <a:ea typeface="Microsoft JhengHei" panose="020B0604030504040204" pitchFamily="34" charset="-120"/>
+              </a:rPr>
+              <a:t> </a:t>
+            </a:r>
+            <a:r>
+              <a:rPr lang="en-US" sz="4267" b="1" dirty="0">
+                <a:solidFill>
+                  <a:srgbClr val="000066"/>
+                </a:solidFill>
+                <a:effectLst/>
+                <a:latin typeface="Microsoft JhengHei" panose="020B0604030504040204" pitchFamily="34" charset="-120"/>
+                <a:ea typeface="Microsoft JhengHei" panose="020B0604030504040204" pitchFamily="34" charset="-120"/>
+              </a:rPr>
+              <a:t>)</a:t>
+            </a:r>
+            <a:endParaRPr lang="vi-VN" sz="4267" b="1" dirty="0">
+              <a:solidFill>
+                <a:srgbClr val="000066"/>
+              </a:solidFill>
+              <a:effectLst/>
+              <a:latin typeface="Microsoft JhengHei" panose="020B0604030504040204" pitchFamily="34" charset="-120"/>
+              <a:ea typeface="Microsoft JhengHei" panose="020B0604030504040204" pitchFamily="34" charset="-120"/>
+            </a:endParaRPr>
+          </a:p>
+        </p:txBody>
+      </p:sp>
     </p:spTree>
     <p:extLst>
       <p:ext uri="{BB962C8B-B14F-4D97-AF65-F5344CB8AC3E}">
-        <p14:creationId xmlns:p14="http://schemas.microsoft.com/office/powerpoint/2010/main" val="4217733064"/>
+        <p14:creationId xmlns:p14="http://schemas.microsoft.com/office/powerpoint/2010/main" val="2322318295"/>
       </p:ext>
     </p:extLst>
   </p:cSld>
@@ -3730,17 +3937,7 @@
                 <a:latin typeface="微軟正黑體" pitchFamily="34" charset="-120"/>
                 <a:ea typeface="微軟正黑體" pitchFamily="34" charset="-120"/>
               </a:rPr>
-              <a:t>我們要有喜</a:t>
-            </a:r>
-            <a:r>
-              <a:rPr lang="zh-TW" altLang="en-US" sz="6400" b="1" dirty="0">
-                <a:solidFill>
-                  <a:srgbClr val="000066"/>
-                </a:solidFill>
-                <a:latin typeface="微軟正黑體" pitchFamily="34" charset="-120"/>
-                <a:ea typeface="微軟正黑體" pitchFamily="34" charset="-120"/>
-              </a:rPr>
-              <a:t>樂</a:t>
+              <a:t>我們要有喜樂</a:t>
             </a:r>
             <a:endParaRPr lang="en-US" altLang="zh-TW" sz="6400" b="1" dirty="0">
               <a:solidFill>
@@ -3762,27 +3959,7 @@
                 <a:latin typeface="微軟正黑體" pitchFamily="34" charset="-120"/>
                 <a:ea typeface="微軟正黑體" pitchFamily="34" charset="-120"/>
               </a:rPr>
-              <a:t>我</a:t>
-            </a:r>
-            <a:r>
-              <a:rPr lang="zh-TW" altLang="en-US" sz="6400" b="1" dirty="0">
-                <a:solidFill>
-                  <a:srgbClr val="000066"/>
-                </a:solidFill>
-                <a:latin typeface="微軟正黑體" pitchFamily="34" charset="-120"/>
-                <a:ea typeface="微軟正黑體" pitchFamily="34" charset="-120"/>
-              </a:rPr>
-              <a:t>們不要哀</a:t>
-            </a:r>
-            <a:r>
-              <a:rPr lang="zh-TW" altLang="en-US" sz="6400" b="1" dirty="0">
-                <a:solidFill>
-                  <a:srgbClr val="000066"/>
-                </a:solidFill>
-                <a:latin typeface="微軟正黑體" pitchFamily="34" charset="-120"/>
-                <a:ea typeface="微軟正黑體" pitchFamily="34" charset="-120"/>
-              </a:rPr>
-              <a:t>愁</a:t>
+              <a:t>我們不要哀愁</a:t>
             </a:r>
             <a:endParaRPr lang="en-US" altLang="zh-TW" sz="6400" b="1" dirty="0">
               <a:solidFill>
@@ -3794,10 +3971,88 @@
           </a:p>
         </p:txBody>
       </p:sp>
+      <p:sp>
+        <p:nvSpPr>
+          <p:cNvPr id="3" name="TextBox 2"/>
+          <p:cNvSpPr txBox="1"/>
+          <p:nvPr/>
+        </p:nvSpPr>
+        <p:spPr>
+          <a:xfrm>
+            <a:off x="0" y="5253203"/>
+            <a:ext cx="12192000" cy="748988"/>
+          </a:xfrm>
+          <a:prstGeom prst="rect">
+            <a:avLst/>
+          </a:prstGeom>
+          <a:noFill/>
+        </p:spPr>
+        <p:txBody>
+          <a:bodyPr wrap="square" rtlCol="0">
+            <a:spAutoFit/>
+          </a:bodyPr>
+          <a:lstStyle/>
+          <a:p>
+            <a:pPr algn="ctr"/>
+            <a:r>
+              <a:rPr lang="en-US" sz="4267" b="1" dirty="0">
+                <a:solidFill>
+                  <a:srgbClr val="000066"/>
+                </a:solidFill>
+                <a:effectLst/>
+                <a:latin typeface="Microsoft JhengHei" panose="020B0604030504040204" pitchFamily="34" charset="-120"/>
+                <a:ea typeface="Microsoft JhengHei" panose="020B0604030504040204" pitchFamily="34" charset="-120"/>
+              </a:rPr>
+              <a:t>( </a:t>
+            </a:r>
+            <a:r>
+              <a:rPr lang="zh-CN" altLang="en-US" sz="4267" b="1" dirty="0" smtClean="0">
+                <a:solidFill>
+                  <a:srgbClr val="000066"/>
+                </a:solidFill>
+                <a:effectLst/>
+                <a:latin typeface="Microsoft JhengHei" panose="020B0604030504040204" pitchFamily="34" charset="-120"/>
+                <a:ea typeface="Microsoft JhengHei" panose="020B0604030504040204" pitchFamily="34" charset="-120"/>
+              </a:rPr>
+              <a:t>正</a:t>
+            </a:r>
+            <a:r>
+              <a:rPr lang="en-US" sz="4267" b="1" dirty="0" smtClean="0">
+                <a:solidFill>
+                  <a:srgbClr val="000066"/>
+                </a:solidFill>
+                <a:effectLst/>
+                <a:latin typeface="Microsoft JhengHei" panose="020B0604030504040204" pitchFamily="34" charset="-120"/>
+                <a:ea typeface="Microsoft JhengHei" panose="020B0604030504040204" pitchFamily="34" charset="-120"/>
+              </a:rPr>
+              <a:t> </a:t>
+            </a:r>
+            <a:r>
+              <a:rPr lang="en-US" sz="4267" b="1" dirty="0">
+                <a:solidFill>
+                  <a:srgbClr val="000066"/>
+                </a:solidFill>
+                <a:effectLst/>
+                <a:latin typeface="Microsoft JhengHei" panose="020B0604030504040204" pitchFamily="34" charset="-120"/>
+                <a:ea typeface="Microsoft JhengHei" panose="020B0604030504040204" pitchFamily="34" charset="-120"/>
+              </a:rPr>
+              <a:t>)</a:t>
+            </a:r>
+            <a:endParaRPr lang="vi-VN" sz="4267" b="1" dirty="0">
+              <a:solidFill>
+                <a:srgbClr val="000066"/>
+              </a:solidFill>
+              <a:effectLst/>
+              <a:latin typeface="Microsoft JhengHei" panose="020B0604030504040204" pitchFamily="34" charset="-120"/>
+              <a:ea typeface="Microsoft JhengHei" panose="020B0604030504040204" pitchFamily="34" charset="-120"/>
+            </a:endParaRPr>
+          </a:p>
+        </p:txBody>
+      </p:sp>
     </p:spTree>
     <p:extLst>
       <p:ext uri="{BB962C8B-B14F-4D97-AF65-F5344CB8AC3E}">
-        <p14:creationId xmlns:p14="http://schemas.microsoft.com/office/powerpoint/2010/main" val="2713339261"/>
+        <p14:creationId xmlns:p14="http://schemas.microsoft.com/office/powerpoint/2010/main" val="2779837874"/>
       </p:ext>
     </p:extLst>
   </p:cSld>
@@ -3857,27 +4112,7 @@
                 <a:latin typeface="微軟正黑體" pitchFamily="34" charset="-120"/>
                 <a:ea typeface="微軟正黑體" pitchFamily="34" charset="-120"/>
               </a:rPr>
-              <a:t>我</a:t>
-            </a:r>
-            <a:r>
-              <a:rPr lang="zh-TW" altLang="en-US" sz="6400" b="1" dirty="0">
-                <a:solidFill>
-                  <a:srgbClr val="000066"/>
-                </a:solidFill>
-                <a:latin typeface="微軟正黑體" pitchFamily="34" charset="-120"/>
-                <a:ea typeface="微軟正黑體" pitchFamily="34" charset="-120"/>
-              </a:rPr>
-              <a:t>們的一切一切問</a:t>
-            </a:r>
-            <a:r>
-              <a:rPr lang="zh-TW" altLang="en-US" sz="6400" b="1" dirty="0">
-                <a:solidFill>
-                  <a:srgbClr val="000066"/>
-                </a:solidFill>
-                <a:latin typeface="微軟正黑體" pitchFamily="34" charset="-120"/>
-                <a:ea typeface="微軟正黑體" pitchFamily="34" charset="-120"/>
-              </a:rPr>
-              <a:t>題</a:t>
+              <a:t>我們的一切一切問題</a:t>
             </a:r>
             <a:endParaRPr lang="en-US" altLang="zh-TW" sz="6400" b="1" dirty="0">
               <a:solidFill>
@@ -3899,17 +4134,7 @@
                 <a:latin typeface="微軟正黑體" pitchFamily="34" charset="-120"/>
                 <a:ea typeface="微軟正黑體" pitchFamily="34" charset="-120"/>
               </a:rPr>
-              <a:t>上</a:t>
-            </a:r>
-            <a:r>
-              <a:rPr lang="zh-TW" altLang="en-US" sz="6400" b="1" dirty="0">
-                <a:solidFill>
-                  <a:srgbClr val="000066"/>
-                </a:solidFill>
-                <a:latin typeface="微軟正黑體" pitchFamily="34" charset="-120"/>
-                <a:ea typeface="微軟正黑體" pitchFamily="34" charset="-120"/>
-              </a:rPr>
-              <a:t>帝會解決</a:t>
+              <a:t>上帝會解決</a:t>
             </a:r>
             <a:endParaRPr lang="en-US" altLang="zh-TW" sz="6400" b="1" dirty="0">
               <a:solidFill>
@@ -3921,10 +4146,88 @@
           </a:p>
         </p:txBody>
       </p:sp>
+      <p:sp>
+        <p:nvSpPr>
+          <p:cNvPr id="3" name="TextBox 2"/>
+          <p:cNvSpPr txBox="1"/>
+          <p:nvPr/>
+        </p:nvSpPr>
+        <p:spPr>
+          <a:xfrm>
+            <a:off x="0" y="5253203"/>
+            <a:ext cx="12192000" cy="748988"/>
+          </a:xfrm>
+          <a:prstGeom prst="rect">
+            <a:avLst/>
+          </a:prstGeom>
+          <a:noFill/>
+        </p:spPr>
+        <p:txBody>
+          <a:bodyPr wrap="square" rtlCol="0">
+            <a:spAutoFit/>
+          </a:bodyPr>
+          <a:lstStyle/>
+          <a:p>
+            <a:pPr algn="ctr"/>
+            <a:r>
+              <a:rPr lang="en-US" sz="4267" b="1" dirty="0">
+                <a:solidFill>
+                  <a:srgbClr val="000066"/>
+                </a:solidFill>
+                <a:effectLst/>
+                <a:latin typeface="Microsoft JhengHei" panose="020B0604030504040204" pitchFamily="34" charset="-120"/>
+                <a:ea typeface="Microsoft JhengHei" panose="020B0604030504040204" pitchFamily="34" charset="-120"/>
+              </a:rPr>
+              <a:t>( </a:t>
+            </a:r>
+            <a:r>
+              <a:rPr lang="zh-CN" altLang="en-US" sz="4267" b="1" dirty="0" smtClean="0">
+                <a:solidFill>
+                  <a:srgbClr val="000066"/>
+                </a:solidFill>
+                <a:effectLst/>
+                <a:latin typeface="Microsoft JhengHei" panose="020B0604030504040204" pitchFamily="34" charset="-120"/>
+                <a:ea typeface="Microsoft JhengHei" panose="020B0604030504040204" pitchFamily="34" charset="-120"/>
+              </a:rPr>
+              <a:t>正</a:t>
+            </a:r>
+            <a:r>
+              <a:rPr lang="en-US" sz="4267" b="1" dirty="0" smtClean="0">
+                <a:solidFill>
+                  <a:srgbClr val="000066"/>
+                </a:solidFill>
+                <a:effectLst/>
+                <a:latin typeface="Microsoft JhengHei" panose="020B0604030504040204" pitchFamily="34" charset="-120"/>
+                <a:ea typeface="Microsoft JhengHei" panose="020B0604030504040204" pitchFamily="34" charset="-120"/>
+              </a:rPr>
+              <a:t> </a:t>
+            </a:r>
+            <a:r>
+              <a:rPr lang="en-US" sz="4267" b="1" dirty="0">
+                <a:solidFill>
+                  <a:srgbClr val="000066"/>
+                </a:solidFill>
+                <a:effectLst/>
+                <a:latin typeface="Microsoft JhengHei" panose="020B0604030504040204" pitchFamily="34" charset="-120"/>
+                <a:ea typeface="Microsoft JhengHei" panose="020B0604030504040204" pitchFamily="34" charset="-120"/>
+              </a:rPr>
+              <a:t>)</a:t>
+            </a:r>
+            <a:endParaRPr lang="vi-VN" sz="4267" b="1" dirty="0">
+              <a:solidFill>
+                <a:srgbClr val="000066"/>
+              </a:solidFill>
+              <a:effectLst/>
+              <a:latin typeface="Microsoft JhengHei" panose="020B0604030504040204" pitchFamily="34" charset="-120"/>
+              <a:ea typeface="Microsoft JhengHei" panose="020B0604030504040204" pitchFamily="34" charset="-120"/>
+            </a:endParaRPr>
+          </a:p>
+        </p:txBody>
+      </p:sp>
     </p:spTree>
     <p:extLst>
       <p:ext uri="{BB962C8B-B14F-4D97-AF65-F5344CB8AC3E}">
-        <p14:creationId xmlns:p14="http://schemas.microsoft.com/office/powerpoint/2010/main" val="3489224021"/>
+        <p14:creationId xmlns:p14="http://schemas.microsoft.com/office/powerpoint/2010/main" val="1060533291"/>
       </p:ext>
     </p:extLst>
   </p:cSld>
@@ -3984,37 +4287,7 @@
                 <a:latin typeface="微軟正黑體" pitchFamily="34" charset="-120"/>
                 <a:ea typeface="微軟正黑體" pitchFamily="34" charset="-120"/>
               </a:rPr>
-              <a:t>我們不</a:t>
-            </a:r>
-            <a:r>
-              <a:rPr lang="zh-TW" altLang="en-US" sz="6400" b="1" dirty="0">
-                <a:solidFill>
-                  <a:srgbClr val="000066"/>
-                </a:solidFill>
-                <a:latin typeface="微軟正黑體" pitchFamily="34" charset="-120"/>
-                <a:ea typeface="微軟正黑體" pitchFamily="34" charset="-120"/>
-              </a:rPr>
-              <a:t>憂慮  我</a:t>
-            </a:r>
-            <a:r>
-              <a:rPr lang="zh-TW" altLang="en-US" sz="6400" b="1" dirty="0">
-                <a:solidFill>
-                  <a:srgbClr val="000066"/>
-                </a:solidFill>
-                <a:latin typeface="微軟正黑體" pitchFamily="34" charset="-120"/>
-                <a:ea typeface="微軟正黑體" pitchFamily="34" charset="-120"/>
-              </a:rPr>
-              <a:t>們要喜</a:t>
-            </a:r>
-            <a:r>
-              <a:rPr lang="zh-TW" altLang="en-US" sz="6400" b="1" dirty="0">
-                <a:solidFill>
-                  <a:srgbClr val="000066"/>
-                </a:solidFill>
-                <a:latin typeface="微軟正黑體" pitchFamily="34" charset="-120"/>
-                <a:ea typeface="微軟正黑體" pitchFamily="34" charset="-120"/>
-              </a:rPr>
-              <a:t>樂</a:t>
+              <a:t>我們不憂慮  我們要喜樂</a:t>
             </a:r>
             <a:endParaRPr lang="en-US" altLang="zh-TW" sz="6400" b="1" dirty="0">
               <a:solidFill>
@@ -4036,17 +4309,7 @@
                 <a:latin typeface="微軟正黑體" pitchFamily="34" charset="-120"/>
                 <a:ea typeface="微軟正黑體" pitchFamily="34" charset="-120"/>
               </a:rPr>
-              <a:t>我</a:t>
-            </a:r>
-            <a:r>
-              <a:rPr lang="zh-TW" altLang="en-US" sz="6400" b="1" dirty="0">
-                <a:solidFill>
-                  <a:srgbClr val="000066"/>
-                </a:solidFill>
-                <a:latin typeface="微軟正黑體" pitchFamily="34" charset="-120"/>
-                <a:ea typeface="微軟正黑體" pitchFamily="34" charset="-120"/>
-              </a:rPr>
-              <a:t>們要讓那聖靈永遠住我們心裡</a:t>
+              <a:t>我們要讓那聖靈永遠住我們心裡</a:t>
             </a:r>
             <a:endParaRPr lang="en-US" altLang="zh-TW" sz="6400" b="1" dirty="0">
               <a:solidFill>
@@ -4058,10 +4321,88 @@
           </a:p>
         </p:txBody>
       </p:sp>
+      <p:sp>
+        <p:nvSpPr>
+          <p:cNvPr id="3" name="TextBox 2"/>
+          <p:cNvSpPr txBox="1"/>
+          <p:nvPr/>
+        </p:nvSpPr>
+        <p:spPr>
+          <a:xfrm>
+            <a:off x="0" y="5253203"/>
+            <a:ext cx="12192000" cy="748988"/>
+          </a:xfrm>
+          <a:prstGeom prst="rect">
+            <a:avLst/>
+          </a:prstGeom>
+          <a:noFill/>
+        </p:spPr>
+        <p:txBody>
+          <a:bodyPr wrap="square" rtlCol="0">
+            <a:spAutoFit/>
+          </a:bodyPr>
+          <a:lstStyle/>
+          <a:p>
+            <a:pPr algn="ctr"/>
+            <a:r>
+              <a:rPr lang="en-US" sz="4267" b="1" dirty="0">
+                <a:solidFill>
+                  <a:srgbClr val="000066"/>
+                </a:solidFill>
+                <a:effectLst/>
+                <a:latin typeface="Microsoft JhengHei" panose="020B0604030504040204" pitchFamily="34" charset="-120"/>
+                <a:ea typeface="Microsoft JhengHei" panose="020B0604030504040204" pitchFamily="34" charset="-120"/>
+              </a:rPr>
+              <a:t>( </a:t>
+            </a:r>
+            <a:r>
+              <a:rPr lang="zh-CN" altLang="en-US" sz="4267" b="1" dirty="0" smtClean="0">
+                <a:solidFill>
+                  <a:srgbClr val="000066"/>
+                </a:solidFill>
+                <a:effectLst/>
+                <a:latin typeface="Microsoft JhengHei" panose="020B0604030504040204" pitchFamily="34" charset="-120"/>
+                <a:ea typeface="Microsoft JhengHei" panose="020B0604030504040204" pitchFamily="34" charset="-120"/>
+              </a:rPr>
+              <a:t>副</a:t>
+            </a:r>
+            <a:r>
+              <a:rPr lang="en-US" sz="4267" b="1" dirty="0" smtClean="0">
+                <a:solidFill>
+                  <a:srgbClr val="000066"/>
+                </a:solidFill>
+                <a:effectLst/>
+                <a:latin typeface="Microsoft JhengHei" panose="020B0604030504040204" pitchFamily="34" charset="-120"/>
+                <a:ea typeface="Microsoft JhengHei" panose="020B0604030504040204" pitchFamily="34" charset="-120"/>
+              </a:rPr>
+              <a:t> </a:t>
+            </a:r>
+            <a:r>
+              <a:rPr lang="en-US" sz="4267" b="1" dirty="0">
+                <a:solidFill>
+                  <a:srgbClr val="000066"/>
+                </a:solidFill>
+                <a:effectLst/>
+                <a:latin typeface="Microsoft JhengHei" panose="020B0604030504040204" pitchFamily="34" charset="-120"/>
+                <a:ea typeface="Microsoft JhengHei" panose="020B0604030504040204" pitchFamily="34" charset="-120"/>
+              </a:rPr>
+              <a:t>)</a:t>
+            </a:r>
+            <a:endParaRPr lang="vi-VN" sz="4267" b="1" dirty="0">
+              <a:solidFill>
+                <a:srgbClr val="000066"/>
+              </a:solidFill>
+              <a:effectLst/>
+              <a:latin typeface="Microsoft JhengHei" panose="020B0604030504040204" pitchFamily="34" charset="-120"/>
+              <a:ea typeface="Microsoft JhengHei" panose="020B0604030504040204" pitchFamily="34" charset="-120"/>
+            </a:endParaRPr>
+          </a:p>
+        </p:txBody>
+      </p:sp>
     </p:spTree>
     <p:extLst>
       <p:ext uri="{BB962C8B-B14F-4D97-AF65-F5344CB8AC3E}">
-        <p14:creationId xmlns:p14="http://schemas.microsoft.com/office/powerpoint/2010/main" val="2670710053"/>
+        <p14:creationId xmlns:p14="http://schemas.microsoft.com/office/powerpoint/2010/main" val="1131048554"/>
       </p:ext>
     </p:extLst>
   </p:cSld>
@@ -4121,37 +4462,7 @@
                 <a:latin typeface="微軟正黑體" pitchFamily="34" charset="-120"/>
                 <a:ea typeface="微軟正黑體" pitchFamily="34" charset="-120"/>
               </a:rPr>
-              <a:t>我們要堅</a:t>
-            </a:r>
-            <a:r>
-              <a:rPr lang="zh-TW" altLang="en-US" sz="6400" b="1" dirty="0">
-                <a:solidFill>
-                  <a:srgbClr val="000066"/>
-                </a:solidFill>
-                <a:latin typeface="微軟正黑體" pitchFamily="34" charset="-120"/>
-                <a:ea typeface="微軟正黑體" pitchFamily="34" charset="-120"/>
-              </a:rPr>
-              <a:t>信  我</a:t>
-            </a:r>
-            <a:r>
-              <a:rPr lang="zh-TW" altLang="en-US" sz="6400" b="1" dirty="0">
-                <a:solidFill>
-                  <a:srgbClr val="000066"/>
-                </a:solidFill>
-                <a:latin typeface="微軟正黑體" pitchFamily="34" charset="-120"/>
-                <a:ea typeface="微軟正黑體" pitchFamily="34" charset="-120"/>
-              </a:rPr>
-              <a:t>們不懷</a:t>
-            </a:r>
-            <a:r>
-              <a:rPr lang="zh-TW" altLang="en-US" sz="6400" b="1" dirty="0">
-                <a:solidFill>
-                  <a:srgbClr val="000066"/>
-                </a:solidFill>
-                <a:latin typeface="微軟正黑體" pitchFamily="34" charset="-120"/>
-                <a:ea typeface="微軟正黑體" pitchFamily="34" charset="-120"/>
-              </a:rPr>
-              <a:t>疑</a:t>
+              <a:t>我們要堅信  我們不懷疑</a:t>
             </a:r>
             <a:endParaRPr lang="en-US" altLang="zh-TW" sz="6400" b="1" dirty="0">
               <a:solidFill>
@@ -4185,10 +4496,88 @@
           </a:p>
         </p:txBody>
       </p:sp>
+      <p:sp>
+        <p:nvSpPr>
+          <p:cNvPr id="3" name="TextBox 2"/>
+          <p:cNvSpPr txBox="1"/>
+          <p:nvPr/>
+        </p:nvSpPr>
+        <p:spPr>
+          <a:xfrm>
+            <a:off x="0" y="5253203"/>
+            <a:ext cx="12192000" cy="748988"/>
+          </a:xfrm>
+          <a:prstGeom prst="rect">
+            <a:avLst/>
+          </a:prstGeom>
+          <a:noFill/>
+        </p:spPr>
+        <p:txBody>
+          <a:bodyPr wrap="square" rtlCol="0">
+            <a:spAutoFit/>
+          </a:bodyPr>
+          <a:lstStyle/>
+          <a:p>
+            <a:pPr algn="ctr"/>
+            <a:r>
+              <a:rPr lang="en-US" sz="4267" b="1" dirty="0">
+                <a:solidFill>
+                  <a:srgbClr val="000066"/>
+                </a:solidFill>
+                <a:effectLst/>
+                <a:latin typeface="Microsoft JhengHei" panose="020B0604030504040204" pitchFamily="34" charset="-120"/>
+                <a:ea typeface="Microsoft JhengHei" panose="020B0604030504040204" pitchFamily="34" charset="-120"/>
+              </a:rPr>
+              <a:t>( </a:t>
+            </a:r>
+            <a:r>
+              <a:rPr lang="zh-CN" altLang="en-US" sz="4267" b="1" dirty="0" smtClean="0">
+                <a:solidFill>
+                  <a:srgbClr val="000066"/>
+                </a:solidFill>
+                <a:effectLst/>
+                <a:latin typeface="Microsoft JhengHei" panose="020B0604030504040204" pitchFamily="34" charset="-120"/>
+                <a:ea typeface="Microsoft JhengHei" panose="020B0604030504040204" pitchFamily="34" charset="-120"/>
+              </a:rPr>
+              <a:t>副</a:t>
+            </a:r>
+            <a:r>
+              <a:rPr lang="en-US" sz="4267" b="1" dirty="0" smtClean="0">
+                <a:solidFill>
+                  <a:srgbClr val="000066"/>
+                </a:solidFill>
+                <a:effectLst/>
+                <a:latin typeface="Microsoft JhengHei" panose="020B0604030504040204" pitchFamily="34" charset="-120"/>
+                <a:ea typeface="Microsoft JhengHei" panose="020B0604030504040204" pitchFamily="34" charset="-120"/>
+              </a:rPr>
+              <a:t> </a:t>
+            </a:r>
+            <a:r>
+              <a:rPr lang="en-US" sz="4267" b="1" dirty="0">
+                <a:solidFill>
+                  <a:srgbClr val="000066"/>
+                </a:solidFill>
+                <a:effectLst/>
+                <a:latin typeface="Microsoft JhengHei" panose="020B0604030504040204" pitchFamily="34" charset="-120"/>
+                <a:ea typeface="Microsoft JhengHei" panose="020B0604030504040204" pitchFamily="34" charset="-120"/>
+              </a:rPr>
+              <a:t>)</a:t>
+            </a:r>
+            <a:endParaRPr lang="vi-VN" sz="4267" b="1" dirty="0">
+              <a:solidFill>
+                <a:srgbClr val="000066"/>
+              </a:solidFill>
+              <a:effectLst/>
+              <a:latin typeface="Microsoft JhengHei" panose="020B0604030504040204" pitchFamily="34" charset="-120"/>
+              <a:ea typeface="Microsoft JhengHei" panose="020B0604030504040204" pitchFamily="34" charset="-120"/>
+            </a:endParaRPr>
+          </a:p>
+        </p:txBody>
+      </p:sp>
     </p:spTree>
     <p:extLst>
       <p:ext uri="{BB962C8B-B14F-4D97-AF65-F5344CB8AC3E}">
-        <p14:creationId xmlns:p14="http://schemas.microsoft.com/office/powerpoint/2010/main" val="3355109986"/>
+        <p14:creationId xmlns:p14="http://schemas.microsoft.com/office/powerpoint/2010/main" val="1272642820"/>
       </p:ext>
     </p:extLst>
   </p:cSld>
@@ -4248,37 +4637,7 @@
                 <a:latin typeface="微軟正黑體" pitchFamily="34" charset="-120"/>
                 <a:ea typeface="微軟正黑體" pitchFamily="34" charset="-120"/>
               </a:rPr>
-              <a:t>我們不憂</a:t>
-            </a:r>
-            <a:r>
-              <a:rPr lang="zh-TW" altLang="en-US" sz="6400" b="1" dirty="0">
-                <a:solidFill>
-                  <a:srgbClr val="000066"/>
-                </a:solidFill>
-                <a:latin typeface="微軟正黑體" pitchFamily="34" charset="-120"/>
-                <a:ea typeface="微軟正黑體" pitchFamily="34" charset="-120"/>
-              </a:rPr>
-              <a:t>慮  我</a:t>
-            </a:r>
-            <a:r>
-              <a:rPr lang="zh-TW" altLang="en-US" sz="6400" b="1" dirty="0">
-                <a:solidFill>
-                  <a:srgbClr val="000066"/>
-                </a:solidFill>
-                <a:latin typeface="微軟正黑體" pitchFamily="34" charset="-120"/>
-                <a:ea typeface="微軟正黑體" pitchFamily="34" charset="-120"/>
-              </a:rPr>
-              <a:t>們要喜</a:t>
-            </a:r>
-            <a:r>
-              <a:rPr lang="zh-TW" altLang="en-US" sz="6400" b="1" dirty="0">
-                <a:solidFill>
-                  <a:srgbClr val="000066"/>
-                </a:solidFill>
-                <a:latin typeface="微軟正黑體" pitchFamily="34" charset="-120"/>
-                <a:ea typeface="微軟正黑體" pitchFamily="34" charset="-120"/>
-              </a:rPr>
-              <a:t>樂</a:t>
+              <a:t>我們不憂慮  我們要喜樂</a:t>
             </a:r>
             <a:endParaRPr lang="en-US" altLang="zh-TW" sz="6400" b="1" dirty="0">
               <a:solidFill>
@@ -4312,10 +4671,88 @@
           </a:p>
         </p:txBody>
       </p:sp>
+      <p:sp>
+        <p:nvSpPr>
+          <p:cNvPr id="3" name="TextBox 2"/>
+          <p:cNvSpPr txBox="1"/>
+          <p:nvPr/>
+        </p:nvSpPr>
+        <p:spPr>
+          <a:xfrm>
+            <a:off x="0" y="5253203"/>
+            <a:ext cx="12192000" cy="748988"/>
+          </a:xfrm>
+          <a:prstGeom prst="rect">
+            <a:avLst/>
+          </a:prstGeom>
+          <a:noFill/>
+        </p:spPr>
+        <p:txBody>
+          <a:bodyPr wrap="square" rtlCol="0">
+            <a:spAutoFit/>
+          </a:bodyPr>
+          <a:lstStyle/>
+          <a:p>
+            <a:pPr algn="ctr"/>
+            <a:r>
+              <a:rPr lang="en-US" sz="4267" b="1" dirty="0">
+                <a:solidFill>
+                  <a:srgbClr val="000066"/>
+                </a:solidFill>
+                <a:effectLst/>
+                <a:latin typeface="Microsoft JhengHei" panose="020B0604030504040204" pitchFamily="34" charset="-120"/>
+                <a:ea typeface="Microsoft JhengHei" panose="020B0604030504040204" pitchFamily="34" charset="-120"/>
+              </a:rPr>
+              <a:t>( </a:t>
+            </a:r>
+            <a:r>
+              <a:rPr lang="zh-CN" altLang="en-US" sz="4267" b="1" dirty="0" smtClean="0">
+                <a:solidFill>
+                  <a:srgbClr val="000066"/>
+                </a:solidFill>
+                <a:effectLst/>
+                <a:latin typeface="Microsoft JhengHei" panose="020B0604030504040204" pitchFamily="34" charset="-120"/>
+                <a:ea typeface="Microsoft JhengHei" panose="020B0604030504040204" pitchFamily="34" charset="-120"/>
+              </a:rPr>
+              <a:t>副</a:t>
+            </a:r>
+            <a:r>
+              <a:rPr lang="en-US" sz="4267" b="1" dirty="0" smtClean="0">
+                <a:solidFill>
+                  <a:srgbClr val="000066"/>
+                </a:solidFill>
+                <a:effectLst/>
+                <a:latin typeface="Microsoft JhengHei" panose="020B0604030504040204" pitchFamily="34" charset="-120"/>
+                <a:ea typeface="Microsoft JhengHei" panose="020B0604030504040204" pitchFamily="34" charset="-120"/>
+              </a:rPr>
+              <a:t> </a:t>
+            </a:r>
+            <a:r>
+              <a:rPr lang="en-US" sz="4267" b="1" dirty="0">
+                <a:solidFill>
+                  <a:srgbClr val="000066"/>
+                </a:solidFill>
+                <a:effectLst/>
+                <a:latin typeface="Microsoft JhengHei" panose="020B0604030504040204" pitchFamily="34" charset="-120"/>
+                <a:ea typeface="Microsoft JhengHei" panose="020B0604030504040204" pitchFamily="34" charset="-120"/>
+              </a:rPr>
+              <a:t>)</a:t>
+            </a:r>
+            <a:endParaRPr lang="vi-VN" sz="4267" b="1" dirty="0">
+              <a:solidFill>
+                <a:srgbClr val="000066"/>
+              </a:solidFill>
+              <a:effectLst/>
+              <a:latin typeface="Microsoft JhengHei" panose="020B0604030504040204" pitchFamily="34" charset="-120"/>
+              <a:ea typeface="Microsoft JhengHei" panose="020B0604030504040204" pitchFamily="34" charset="-120"/>
+            </a:endParaRPr>
+          </a:p>
+        </p:txBody>
+      </p:sp>
     </p:spTree>
     <p:extLst>
       <p:ext uri="{BB962C8B-B14F-4D97-AF65-F5344CB8AC3E}">
-        <p14:creationId xmlns:p14="http://schemas.microsoft.com/office/powerpoint/2010/main" val="604717227"/>
+        <p14:creationId xmlns:p14="http://schemas.microsoft.com/office/powerpoint/2010/main" val="233553580"/>
       </p:ext>
     </p:extLst>
   </p:cSld>
